--- a/Plakat.pptx
+++ b/Plakat.pptx
@@ -115,9 +115,9 @@
 <file path=ppt/revisionInfo.xml><?xml version="1.0" encoding="utf-8"?>
 <p1510:revInfo xmlns:a="http://schemas.openxmlformats.org/drawingml/2006/main" xmlns:r="http://schemas.openxmlformats.org/officeDocument/2006/relationships" xmlns:p1510="http://schemas.microsoft.com/office/powerpoint/2015/10/main">
   <p1510:revLst>
+    <p1510:client id="{09B9D256-7011-4894-8326-F87FC3C48B1F}" v="99" dt="2019-12-16T09:22:20.235"/>
+    <p1510:client id="{179E562A-9CDA-4397-918B-E56D75A6624B}" v="678" dt="2019-12-16T06:25:55.861"/>
     <p1510:client id="{3CEEDC9C-4FF2-4C79-87A3-20A14582AEDE}" v="619" dt="2019-12-16T07:15:45.796"/>
-    <p1510:client id="{179E562A-9CDA-4397-918B-E56D75A6624B}" v="678" dt="2019-12-16T06:25:55.861"/>
-    <p1510:client id="{09B9D256-7011-4894-8326-F87FC3C48B1F}" v="99" dt="2019-12-16T09:22:20.235"/>
     <p1510:client id="{1022D518-1133-4C0C-B131-BACBBDA13158}" v="175" dt="2019-12-16T09:39:42.742"/>
     <p1510:client id="{157C3F61-AAB5-4235-81DD-D7498BB033B9}" v="11" dt="2019-12-16T08:23:28.040"/>
     <p1510:client id="{648C92FB-E440-4F35-80A3-06234FC8F7CE}" v="764" dt="2019-12-16T09:39:19.939"/>
@@ -4123,7 +4123,7 @@
         </p:spPr>
         <p:txBody>
           <a:bodyPr vert="horz" lIns="91440" tIns="45720" rIns="91440" bIns="45720" rtlCol="0" anchor="t">
-            <a:normAutofit/>
+            <a:normAutofit fontScale="92500" lnSpcReduction="10000"/>
           </a:bodyPr>
           <a:lstStyle>
             <a:defPPr>
@@ -4320,7 +4320,7 @@
                 <a:ea typeface="+mn-lt"/>
                 <a:cs typeface="+mn-lt"/>
               </a:rPr>
-              <a:t>RandomForestRegressor seemed to only work fine with the AMD stock. Linear Regression worked with all of the stocks. Although we tried to avoid overfitting using numerous methods, it still looks like the models are overfitting.  Our models predicted the AMD stock best, as seen below.</a:t>
+              <a:t>RandomForestRegressor seemed to only work fine with the AMD stock. Linear Regression worked with all of the stocks. Although we tried to avoid overfitting using numerous methods, it still looks like the models are overfitting.  Our models predicted the AMD stock best, as seen below. We have chosen to display AMD </a:t>
             </a:r>
           </a:p>
           <a:p>
@@ -4815,12 +4815,70 @@
           </a:p>
         </p:txBody>
       </p:sp>
+      <p:sp>
+        <p:nvSpPr>
+          <p:cNvPr id="22" name="TextBox 21">
+            <a:extLst>
+              <a:ext uri="{FF2B5EF4-FFF2-40B4-BE49-F238E27FC236}">
+                <a16:creationId xmlns:a16="http://schemas.microsoft.com/office/drawing/2014/main" id="{9FB35012-8153-47F9-AAE1-FDFA6A0CFA12}"/>
+              </a:ext>
+            </a:extLst>
+          </p:cNvPr>
+          <p:cNvSpPr txBox="1"/>
+          <p:nvPr/>
+        </p:nvSpPr>
+        <p:spPr>
+          <a:xfrm>
+            <a:off x="1187232" y="23579199"/>
+            <a:ext cx="13343211" cy="3316164"/>
+          </a:xfrm>
+          <a:prstGeom prst="rect">
+            <a:avLst/>
+          </a:prstGeom>
+          <a:noFill/>
+        </p:spPr>
+        <p:txBody>
+          <a:bodyPr wrap="square" rtlCol="0">
+            <a:spAutoFit/>
+          </a:bodyPr>
+          <a:lstStyle/>
+          <a:p>
+            <a:pPr marL="857250" indent="-857250">
+              <a:lnSpc>
+                <a:spcPct val="150000"/>
+              </a:lnSpc>
+              <a:buFont typeface="Arial"/>
+              <a:buChar char="•"/>
+            </a:pPr>
+            <a:r>
+              <a:rPr lang="et-EE" sz="6000" dirty="0">
+                <a:solidFill>
+                  <a:srgbClr val="00B0F0"/>
+                </a:solidFill>
+              </a:rPr>
+              <a:t>TRAINING THE MODEL</a:t>
+            </a:r>
+            <a:br>
+              <a:rPr lang="et-EE" sz="6000" dirty="0">
+                <a:cs typeface="Calibri"/>
+              </a:rPr>
+            </a:br>
+            <a:r>
+              <a:rPr lang="et-EE" sz="4200" dirty="0">
+                <a:cs typeface="Calibri"/>
+              </a:rPr>
+              <a:t>We used two machine learning algorithms: linear regression and random forest regressor</a:t>
+            </a:r>
+            <a:endParaRPr lang="et-EE" sz="4200" dirty="0"/>
+          </a:p>
+        </p:txBody>
+      </p:sp>
       <p:pic>
         <p:nvPicPr>
-          <p:cNvPr id="20" name="Picture 19">
+          <p:cNvPr id="11" name="Picture 10">
             <a:extLst>
               <a:ext uri="{FF2B5EF4-FFF2-40B4-BE49-F238E27FC236}">
-                <a16:creationId xmlns:a16="http://schemas.microsoft.com/office/drawing/2014/main" id="{BB0552EE-C602-4614-B4B2-53A66F86EB8C}"/>
+                <a16:creationId xmlns:a16="http://schemas.microsoft.com/office/drawing/2014/main" id="{7F722CCE-E5EC-4C99-A6A0-3C485C0DFA67}"/>
               </a:ext>
             </a:extLst>
           </p:cNvPr>
@@ -4843,8 +4901,8 @@
         </p:blipFill>
         <p:spPr>
           <a:xfrm>
-            <a:off x="2979431" y="27912045"/>
-            <a:ext cx="23815824" cy="9526329"/>
+            <a:off x="3325357" y="27759097"/>
+            <a:ext cx="23812500" cy="9525000"/>
           </a:xfrm>
           <a:prstGeom prst="rect">
             <a:avLst/>
@@ -4853,10 +4911,10 @@
       </p:pic>
       <p:sp>
         <p:nvSpPr>
-          <p:cNvPr id="22" name="TextBox 21">
+          <p:cNvPr id="9" name="TextBox 8">
             <a:extLst>
               <a:ext uri="{FF2B5EF4-FFF2-40B4-BE49-F238E27FC236}">
-                <a16:creationId xmlns:a16="http://schemas.microsoft.com/office/drawing/2014/main" id="{9FB35012-8153-47F9-AAE1-FDFA6A0CFA12}"/>
+                <a16:creationId xmlns:a16="http://schemas.microsoft.com/office/drawing/2014/main" id="{9C603AF8-2BA6-4AD7-B1AD-A040D2E11722}"/>
               </a:ext>
             </a:extLst>
           </p:cNvPr>
@@ -4865,8 +4923,8 @@
         </p:nvSpPr>
         <p:spPr>
           <a:xfrm>
-            <a:off x="1187232" y="23579199"/>
-            <a:ext cx="13343211" cy="3316164"/>
+            <a:off x="10519481" y="28440820"/>
+            <a:ext cx="4949372" cy="1015663"/>
           </a:xfrm>
           <a:prstGeom prst="rect">
             <a:avLst/>
@@ -4879,33 +4937,11 @@
           </a:bodyPr>
           <a:lstStyle/>
           <a:p>
-            <a:pPr marL="857250" indent="-857250">
-              <a:lnSpc>
-                <a:spcPct val="150000"/>
-              </a:lnSpc>
-              <a:buFont typeface="Arial"/>
-              <a:buChar char="•"/>
-            </a:pPr>
-            <a:r>
-              <a:rPr lang="et-EE" sz="6000" dirty="0">
-                <a:solidFill>
-                  <a:srgbClr val="00B0F0"/>
-                </a:solidFill>
-              </a:rPr>
-              <a:t>TRAINING THE MODEL</a:t>
-            </a:r>
-            <a:br>
-              <a:rPr lang="et-EE" sz="6000" dirty="0">
-                <a:cs typeface="Calibri"/>
-              </a:rPr>
-            </a:br>
-            <a:r>
-              <a:rPr lang="et-EE" sz="4200" dirty="0">
-                <a:cs typeface="Calibri"/>
-              </a:rPr>
-              <a:t>We used two machine learning algorithms: linear regression and random forest regressor</a:t>
-            </a:r>
-            <a:endParaRPr lang="et-EE" sz="4200" dirty="0"/>
+            <a:r>
+              <a:rPr lang="et-EE" sz="6000" dirty="0"/>
+              <a:t>Stock: AMD</a:t>
+            </a:r>
+            <a:endParaRPr lang="en-150" sz="6000" dirty="0"/>
           </a:p>
         </p:txBody>
       </p:sp>
